--- a/17_RobotDelta2D/RobotDelta_2D_Modele.pptx
+++ b/17_RobotDelta2D/RobotDelta_2D_Modele.pptx
@@ -4049,10 +4049,10 @@
           <a:lstStyle/>
           <a:p>
             <a:r>
-              <a:rPr lang="fr-FR" smtClean="0"/>
+              <a:rPr lang="fr-FR" dirty="0" smtClean="0"/>
               <a:t>Xavier Pessoles</a:t>
             </a:r>
-            <a:endParaRPr lang="fr-FR"/>
+            <a:endParaRPr lang="fr-FR" dirty="0"/>
           </a:p>
         </p:txBody>
       </p:sp>
@@ -4149,11 +4149,27 @@
             <a:pPr lvl="1"/>
             <a:r>
               <a:rPr lang="fr-FR" dirty="0" smtClean="0"/>
-              <a:t>Le support de rotule du bâti a été placé à 35,46 mm du  bâti pour pouvoir conserver l’alignement des liaisons. </a:t>
+              <a:t>Le support de rotule du bâti a été placé à 52,24 mm du  bâti pour pouvoir conserver l’alignement des liaisons. </a:t>
             </a:r>
           </a:p>
           <a:p>
             <a:pPr lvl="1"/>
+            <a:endParaRPr lang="fr-FR" dirty="0" smtClean="0"/>
+          </a:p>
+          <a:p>
+            <a:pPr lvl="1"/>
+            <a:r>
+              <a:rPr lang="fr-FR" dirty="0" smtClean="0"/>
+              <a:t>La petite biellette du </a:t>
+            </a:r>
+            <a:r>
+              <a:rPr lang="fr-FR" smtClean="0"/>
+              <a:t>modèle a </a:t>
+            </a:r>
+            <a:r>
+              <a:rPr lang="fr-FR" dirty="0" smtClean="0"/>
+              <a:t>surement un problème de longueur</a:t>
+            </a:r>
             <a:endParaRPr lang="fr-FR" dirty="0"/>
           </a:p>
         </p:txBody>
